--- a/docs/UIProtoype grabs/proto-layout.pptx
+++ b/docs/UIProtoype grabs/proto-layout.pptx
@@ -3367,7 +3367,7 @@
         </p:nvGrpSpPr>
         <p:grpSpPr>
           <a:xfrm>
-            <a:off x="3546764" y="38101"/>
+            <a:off x="3553487" y="38101"/>
             <a:ext cx="4835236" cy="6819900"/>
             <a:chOff x="3546764" y="38100"/>
             <a:chExt cx="5846848" cy="8640157"/>
@@ -3734,6 +3734,156 @@
           </p:spPr>
         </p:pic>
       </p:grpSp>
+      <p:pic>
+        <p:nvPicPr>
+          <p:cNvPr id="33" name="Picture 32" descr="A screenshot of a cell phone&#10;&#10;Description automatically generated">
+            <a:extLst>
+              <a:ext uri="{FF2B5EF4-FFF2-40B4-BE49-F238E27FC236}">
+                <a16:creationId xmlns:a16="http://schemas.microsoft.com/office/drawing/2014/main" id="{AA107D82-3D9F-8345-94ED-E2C8843D66C3}"/>
+              </a:ext>
+            </a:extLst>
+          </p:cNvPr>
+          <p:cNvPicPr>
+            <a:picLocks noChangeAspect="1"/>
+          </p:cNvPicPr>
+          <p:nvPr/>
+        </p:nvPicPr>
+        <p:blipFill>
+          <a:blip r:embed="rId4"/>
+          <a:stretch>
+            <a:fillRect/>
+          </a:stretch>
+        </p:blipFill>
+        <p:spPr>
+          <a:xfrm>
+            <a:off x="5426446" y="38100"/>
+            <a:ext cx="857018" cy="1614937"/>
+          </a:xfrm>
+          <a:prstGeom prst="rect">
+            <a:avLst/>
+          </a:prstGeom>
+        </p:spPr>
+      </p:pic>
+      <p:pic>
+        <p:nvPicPr>
+          <p:cNvPr id="62" name="Picture 61" descr="A screenshot of a cell phone&#10;&#10;Description automatically generated">
+            <a:extLst>
+              <a:ext uri="{FF2B5EF4-FFF2-40B4-BE49-F238E27FC236}">
+                <a16:creationId xmlns:a16="http://schemas.microsoft.com/office/drawing/2014/main" id="{D33E1BF2-2746-774B-B722-2C82DCFFA76D}"/>
+              </a:ext>
+            </a:extLst>
+          </p:cNvPr>
+          <p:cNvPicPr>
+            <a:picLocks noChangeAspect="1"/>
+          </p:cNvPicPr>
+          <p:nvPr/>
+        </p:nvPicPr>
+        <p:blipFill>
+          <a:blip r:embed="rId4"/>
+          <a:stretch>
+            <a:fillRect/>
+          </a:stretch>
+        </p:blipFill>
+        <p:spPr>
+          <a:xfrm>
+            <a:off x="6326377" y="38100"/>
+            <a:ext cx="857018" cy="1614937"/>
+          </a:xfrm>
+          <a:prstGeom prst="rect">
+            <a:avLst/>
+          </a:prstGeom>
+        </p:spPr>
+      </p:pic>
+      <p:pic>
+        <p:nvPicPr>
+          <p:cNvPr id="63" name="Picture 62" descr="A screenshot of a cell phone&#10;&#10;Description automatically generated">
+            <a:extLst>
+              <a:ext uri="{FF2B5EF4-FFF2-40B4-BE49-F238E27FC236}">
+                <a16:creationId xmlns:a16="http://schemas.microsoft.com/office/drawing/2014/main" id="{938FCB68-ED97-A749-82A5-457678A72680}"/>
+              </a:ext>
+            </a:extLst>
+          </p:cNvPr>
+          <p:cNvPicPr>
+            <a:picLocks noChangeAspect="1"/>
+          </p:cNvPicPr>
+          <p:nvPr/>
+        </p:nvPicPr>
+        <p:blipFill>
+          <a:blip r:embed="rId4"/>
+          <a:stretch>
+            <a:fillRect/>
+          </a:stretch>
+        </p:blipFill>
+        <p:spPr>
+          <a:xfrm>
+            <a:off x="7216920" y="38099"/>
+            <a:ext cx="857018" cy="1614937"/>
+          </a:xfrm>
+          <a:prstGeom prst="rect">
+            <a:avLst/>
+          </a:prstGeom>
+        </p:spPr>
+      </p:pic>
+      <p:pic>
+        <p:nvPicPr>
+          <p:cNvPr id="64" name="Picture 63" descr="A screenshot of a cell phone&#10;&#10;Description automatically generated">
+            <a:extLst>
+              <a:ext uri="{FF2B5EF4-FFF2-40B4-BE49-F238E27FC236}">
+                <a16:creationId xmlns:a16="http://schemas.microsoft.com/office/drawing/2014/main" id="{6805EDD4-DFA3-8042-866F-217467B4A0AC}"/>
+              </a:ext>
+            </a:extLst>
+          </p:cNvPr>
+          <p:cNvPicPr>
+            <a:picLocks noChangeAspect="1"/>
+          </p:cNvPicPr>
+          <p:nvPr/>
+        </p:nvPicPr>
+        <p:blipFill>
+          <a:blip r:embed="rId4"/>
+          <a:stretch>
+            <a:fillRect/>
+          </a:stretch>
+        </p:blipFill>
+        <p:spPr>
+          <a:xfrm>
+            <a:off x="8116851" y="38099"/>
+            <a:ext cx="857018" cy="1614937"/>
+          </a:xfrm>
+          <a:prstGeom prst="rect">
+            <a:avLst/>
+          </a:prstGeom>
+        </p:spPr>
+      </p:pic>
+      <p:pic>
+        <p:nvPicPr>
+          <p:cNvPr id="65" name="Picture 64" descr="A screenshot of a cell phone&#10;&#10;Description automatically generated">
+            <a:extLst>
+              <a:ext uri="{FF2B5EF4-FFF2-40B4-BE49-F238E27FC236}">
+                <a16:creationId xmlns:a16="http://schemas.microsoft.com/office/drawing/2014/main" id="{792581D9-B42E-784B-8CA3-1E71357899F0}"/>
+              </a:ext>
+            </a:extLst>
+          </p:cNvPr>
+          <p:cNvPicPr>
+            <a:picLocks noChangeAspect="1"/>
+          </p:cNvPicPr>
+          <p:nvPr/>
+        </p:nvPicPr>
+        <p:blipFill>
+          <a:blip r:embed="rId4"/>
+          <a:stretch>
+            <a:fillRect/>
+          </a:stretch>
+        </p:blipFill>
+        <p:spPr>
+          <a:xfrm>
+            <a:off x="9016782" y="38099"/>
+            <a:ext cx="857018" cy="1614937"/>
+          </a:xfrm>
+          <a:prstGeom prst="rect">
+            <a:avLst/>
+          </a:prstGeom>
+        </p:spPr>
+      </p:pic>
     </p:spTree>
     <p:extLst>
       <p:ext uri="{BB962C8B-B14F-4D97-AF65-F5344CB8AC3E}">
